--- a/doc/Aufgaben/EAN-ISBN/Coding-Dojo.pptx
+++ b/doc/Aufgaben/EAN-ISBN/Coding-Dojo.pptx
@@ -290,7 +290,7 @@
           <a:p>
             <a:fld id="{1BA50D42-C9CD-4801-B293-61D1F53EC57E}" type="datetimeFigureOut">
               <a:rPr lang="de-DE" smtClean="0"/>
-              <a:t>20.01.2015</a:t>
+              <a:t>03.02.2015</a:t>
             </a:fld>
             <a:endParaRPr lang="de-DE"/>
           </a:p>
@@ -455,7 +455,7 @@
           <a:p>
             <a:fld id="{1BA50D42-C9CD-4801-B293-61D1F53EC57E}" type="datetimeFigureOut">
               <a:rPr lang="de-DE" smtClean="0"/>
-              <a:t>20.01.2015</a:t>
+              <a:t>03.02.2015</a:t>
             </a:fld>
             <a:endParaRPr lang="de-DE"/>
           </a:p>
@@ -630,7 +630,7 @@
           <a:p>
             <a:fld id="{1BA50D42-C9CD-4801-B293-61D1F53EC57E}" type="datetimeFigureOut">
               <a:rPr lang="de-DE" smtClean="0"/>
-              <a:t>20.01.2015</a:t>
+              <a:t>03.02.2015</a:t>
             </a:fld>
             <a:endParaRPr lang="de-DE"/>
           </a:p>
@@ -795,7 +795,7 @@
           <a:p>
             <a:fld id="{1BA50D42-C9CD-4801-B293-61D1F53EC57E}" type="datetimeFigureOut">
               <a:rPr lang="de-DE" smtClean="0"/>
-              <a:t>20.01.2015</a:t>
+              <a:t>03.02.2015</a:t>
             </a:fld>
             <a:endParaRPr lang="de-DE"/>
           </a:p>
@@ -1036,7 +1036,7 @@
           <a:p>
             <a:fld id="{1BA50D42-C9CD-4801-B293-61D1F53EC57E}" type="datetimeFigureOut">
               <a:rPr lang="de-DE" smtClean="0"/>
-              <a:t>20.01.2015</a:t>
+              <a:t>03.02.2015</a:t>
             </a:fld>
             <a:endParaRPr lang="de-DE"/>
           </a:p>
@@ -1319,7 +1319,7 @@
           <a:p>
             <a:fld id="{1BA50D42-C9CD-4801-B293-61D1F53EC57E}" type="datetimeFigureOut">
               <a:rPr lang="de-DE" smtClean="0"/>
-              <a:t>20.01.2015</a:t>
+              <a:t>03.02.2015</a:t>
             </a:fld>
             <a:endParaRPr lang="de-DE"/>
           </a:p>
@@ -1736,7 +1736,7 @@
           <a:p>
             <a:fld id="{1BA50D42-C9CD-4801-B293-61D1F53EC57E}" type="datetimeFigureOut">
               <a:rPr lang="de-DE" smtClean="0"/>
-              <a:t>20.01.2015</a:t>
+              <a:t>03.02.2015</a:t>
             </a:fld>
             <a:endParaRPr lang="de-DE"/>
           </a:p>
@@ -1849,7 +1849,7 @@
           <a:p>
             <a:fld id="{1BA50D42-C9CD-4801-B293-61D1F53EC57E}" type="datetimeFigureOut">
               <a:rPr lang="de-DE" smtClean="0"/>
-              <a:t>20.01.2015</a:t>
+              <a:t>03.02.2015</a:t>
             </a:fld>
             <a:endParaRPr lang="de-DE"/>
           </a:p>
@@ -1939,7 +1939,7 @@
           <a:p>
             <a:fld id="{1BA50D42-C9CD-4801-B293-61D1F53EC57E}" type="datetimeFigureOut">
               <a:rPr lang="de-DE" smtClean="0"/>
-              <a:t>20.01.2015</a:t>
+              <a:t>03.02.2015</a:t>
             </a:fld>
             <a:endParaRPr lang="de-DE"/>
           </a:p>
@@ -2211,7 +2211,7 @@
           <a:p>
             <a:fld id="{1BA50D42-C9CD-4801-B293-61D1F53EC57E}" type="datetimeFigureOut">
               <a:rPr lang="de-DE" smtClean="0"/>
-              <a:t>20.01.2015</a:t>
+              <a:t>03.02.2015</a:t>
             </a:fld>
             <a:endParaRPr lang="de-DE"/>
           </a:p>
@@ -2459,7 +2459,7 @@
           <a:p>
             <a:fld id="{1BA50D42-C9CD-4801-B293-61D1F53EC57E}" type="datetimeFigureOut">
               <a:rPr lang="de-DE" smtClean="0"/>
-              <a:t>20.01.2015</a:t>
+              <a:t>03.02.2015</a:t>
             </a:fld>
             <a:endParaRPr lang="de-DE"/>
           </a:p>
@@ -2667,7 +2667,7 @@
           <a:p>
             <a:fld id="{1BA50D42-C9CD-4801-B293-61D1F53EC57E}" type="datetimeFigureOut">
               <a:rPr lang="de-DE" smtClean="0"/>
-              <a:t>20.01.2015</a:t>
+              <a:t>03.02.2015</a:t>
             </a:fld>
             <a:endParaRPr lang="de-DE"/>
           </a:p>
@@ -3093,7 +3093,25 @@
           <a:p>
             <a:r>
               <a:rPr lang="de-DE" sz="2800" dirty="0" smtClean="0"/>
-              <a:t>(Spätestens) bei einem Pilotenwechsel Aktualisierung des Diagramms</a:t>
+              <a:t>(Spätestens) bei einem Pilotenwechsel Aktualisierung des </a:t>
+            </a:r>
+            <a:r>
+              <a:rPr lang="de-DE" sz="2800" dirty="0" smtClean="0"/>
+              <a:t>Diagramms</a:t>
+            </a:r>
+          </a:p>
+          <a:p>
+            <a:r>
+              <a:rPr lang="de-DE" sz="2800" dirty="0"/>
+              <a:t>Nur Java 6 &amp; </a:t>
+            </a:r>
+            <a:r>
+              <a:rPr lang="de-DE" sz="2800" dirty="0" err="1"/>
+              <a:t>JUnit</a:t>
+            </a:r>
+            <a:r>
+              <a:rPr lang="de-DE" sz="2800" dirty="0"/>
+              <a:t> einsetzen</a:t>
             </a:r>
           </a:p>
           <a:p>
@@ -3106,7 +3124,11 @@
             </a:r>
             <a:r>
               <a:rPr lang="de-DE" sz="2800" dirty="0" smtClean="0"/>
-              <a:t>: Programmierstil und Bad </a:t>
+              <a:t>: </a:t>
+            </a:r>
+            <a:r>
+              <a:rPr lang="de-DE" sz="2800" dirty="0" smtClean="0"/>
+              <a:t>Programmierstil, Bad </a:t>
             </a:r>
             <a:r>
               <a:rPr lang="de-DE" sz="2800" dirty="0" err="1" smtClean="0"/>
@@ -3114,7 +3136,23 @@
             </a:r>
             <a:r>
               <a:rPr lang="de-DE" sz="2800" dirty="0" smtClean="0"/>
+              <a:t> &amp; </a:t>
+            </a:r>
+            <a:r>
+              <a:rPr lang="de-DE" sz="2800" dirty="0" err="1" smtClean="0">
+                <a:solidFill>
+                  <a:srgbClr val="FF0000"/>
+                </a:solidFill>
+              </a:rPr>
+              <a:t>Refactoring</a:t>
+            </a:r>
+            <a:r>
+              <a:rPr lang="de-DE" sz="2800" dirty="0" smtClean="0"/>
               <a:t>.</a:t>
+            </a:r>
+            <a:r>
+              <a:rPr lang="de-DE" sz="2800" dirty="0" smtClean="0"/>
+              <a:t/>
             </a:r>
             <a:br>
               <a:rPr lang="de-DE" sz="2800" dirty="0" smtClean="0"/>
@@ -3472,11 +3510,7 @@
             </a:r>
             <a:r>
               <a:rPr lang="de-DE" dirty="0"/>
-              <a:t>9783815820865</a:t>
-            </a:r>
-            <a:r>
-              <a:rPr lang="de-DE" dirty="0"/>
-              <a:t>, </a:t>
+              <a:t>9783815820865, </a:t>
             </a:r>
             <a:r>
               <a:rPr lang="de-DE" dirty="0" smtClean="0"/>
